--- a/ppt 16-9/1358.主虽然以艰难.pptx
+++ b/ppt 16-9/1358.主虽然以艰难.pptx
@@ -129,7 +129,7 @@
           <p:cNvPr id="2" name="标题 1">
             <a:extLst>
               <a:ext uri="{FF2B5EF4-FFF2-40B4-BE49-F238E27FC236}">
-                <a16:creationId xmlns:a16="http://schemas.microsoft.com/office/drawing/2014/main" id="{A045EC83-2E17-1620-7C8D-37724C484F1C}"/>
+                <a16:creationId xmlns:a16="http://schemas.microsoft.com/office/drawing/2014/main" id="{66597DF1-E8CD-2237-5946-E846BA52F2AA}"/>
               </a:ext>
             </a:extLst>
           </p:cNvPr>
@@ -166,7 +166,7 @@
           <p:cNvPr id="3" name="副标题 2">
             <a:extLst>
               <a:ext uri="{FF2B5EF4-FFF2-40B4-BE49-F238E27FC236}">
-                <a16:creationId xmlns:a16="http://schemas.microsoft.com/office/drawing/2014/main" id="{44CDD855-03AF-A283-51B3-370AC472FB65}"/>
+                <a16:creationId xmlns:a16="http://schemas.microsoft.com/office/drawing/2014/main" id="{19AC5A05-43AF-4C94-D8F8-0A99703F0F61}"/>
               </a:ext>
             </a:extLst>
           </p:cNvPr>
@@ -236,7 +236,7 @@
           <p:cNvPr id="4" name="日期占位符 3">
             <a:extLst>
               <a:ext uri="{FF2B5EF4-FFF2-40B4-BE49-F238E27FC236}">
-                <a16:creationId xmlns:a16="http://schemas.microsoft.com/office/drawing/2014/main" id="{C5195599-FC88-D8FD-E4F1-F6DE62C311FF}"/>
+                <a16:creationId xmlns:a16="http://schemas.microsoft.com/office/drawing/2014/main" id="{3DC5CBE6-63C1-0012-89D8-D7257CE34FDF}"/>
               </a:ext>
             </a:extLst>
           </p:cNvPr>
@@ -252,7 +252,7 @@
           <a:bodyPr/>
           <a:lstStyle/>
           <a:p>
-            <a:fld id="{53C90276-E346-4215-9411-BF6AC58E549B}" type="datetimeFigureOut">
+            <a:fld id="{D9B8D079-CA58-4158-8D52-C19B27C4072E}" type="datetimeFigureOut">
               <a:rPr lang="zh-CN" altLang="en-US" smtClean="0"/>
               <a:t>2024/3/10</a:t>
             </a:fld>
@@ -265,7 +265,7 @@
           <p:cNvPr id="5" name="页脚占位符 4">
             <a:extLst>
               <a:ext uri="{FF2B5EF4-FFF2-40B4-BE49-F238E27FC236}">
-                <a16:creationId xmlns:a16="http://schemas.microsoft.com/office/drawing/2014/main" id="{0A674100-3C6D-3A83-6ACD-2FDC1D6CDECC}"/>
+                <a16:creationId xmlns:a16="http://schemas.microsoft.com/office/drawing/2014/main" id="{E550ED43-07F3-CFB3-81DE-8531F509FA75}"/>
               </a:ext>
             </a:extLst>
           </p:cNvPr>
@@ -290,7 +290,7 @@
           <p:cNvPr id="6" name="灯片编号占位符 5">
             <a:extLst>
               <a:ext uri="{FF2B5EF4-FFF2-40B4-BE49-F238E27FC236}">
-                <a16:creationId xmlns:a16="http://schemas.microsoft.com/office/drawing/2014/main" id="{EE1902FD-F7A8-E58E-0428-5DF423B167FD}"/>
+                <a16:creationId xmlns:a16="http://schemas.microsoft.com/office/drawing/2014/main" id="{016D340D-5B49-98FA-9610-469EFE3B6AF8}"/>
               </a:ext>
             </a:extLst>
           </p:cNvPr>
@@ -306,7 +306,7 @@
           <a:bodyPr/>
           <a:lstStyle/>
           <a:p>
-            <a:fld id="{113FB869-3295-49B1-AA7F-2608ED546B1D}" type="slidenum">
+            <a:fld id="{EBE16AC8-C325-4CA3-BB05-EEC92791B76D}" type="slidenum">
               <a:rPr lang="zh-CN" altLang="en-US" smtClean="0"/>
               <a:t>‹#›</a:t>
             </a:fld>
@@ -317,7 +317,7 @@
     </p:spTree>
     <p:extLst>
       <p:ext uri="{BB962C8B-B14F-4D97-AF65-F5344CB8AC3E}">
-        <p14:creationId xmlns:p14="http://schemas.microsoft.com/office/powerpoint/2010/main" val="2626121003"/>
+        <p14:creationId xmlns:p14="http://schemas.microsoft.com/office/powerpoint/2010/main" val="3903630377"/>
       </p:ext>
     </p:extLst>
   </p:cSld>
@@ -349,7 +349,7 @@
           <p:cNvPr id="2" name="标题 1">
             <a:extLst>
               <a:ext uri="{FF2B5EF4-FFF2-40B4-BE49-F238E27FC236}">
-                <a16:creationId xmlns:a16="http://schemas.microsoft.com/office/drawing/2014/main" id="{FE82EFD1-9164-F0C4-F6F7-62B39FD19994}"/>
+                <a16:creationId xmlns:a16="http://schemas.microsoft.com/office/drawing/2014/main" id="{A3F9672D-12E4-EEA4-C8C2-8E931FF22691}"/>
               </a:ext>
             </a:extLst>
           </p:cNvPr>
@@ -377,7 +377,7 @@
           <p:cNvPr id="3" name="竖排文字占位符 2">
             <a:extLst>
               <a:ext uri="{FF2B5EF4-FFF2-40B4-BE49-F238E27FC236}">
-                <a16:creationId xmlns:a16="http://schemas.microsoft.com/office/drawing/2014/main" id="{0F078231-6EF0-202F-9939-F60200D2819E}"/>
+                <a16:creationId xmlns:a16="http://schemas.microsoft.com/office/drawing/2014/main" id="{EDD9680D-1133-554E-ABE5-1871AAFBA7E6}"/>
               </a:ext>
             </a:extLst>
           </p:cNvPr>
@@ -434,7 +434,7 @@
           <p:cNvPr id="4" name="日期占位符 3">
             <a:extLst>
               <a:ext uri="{FF2B5EF4-FFF2-40B4-BE49-F238E27FC236}">
-                <a16:creationId xmlns:a16="http://schemas.microsoft.com/office/drawing/2014/main" id="{9AC6FB24-1416-2851-29F0-ECA238DB0CA8}"/>
+                <a16:creationId xmlns:a16="http://schemas.microsoft.com/office/drawing/2014/main" id="{8EB17161-50B6-8AA3-C7D9-DA83A5425A40}"/>
               </a:ext>
             </a:extLst>
           </p:cNvPr>
@@ -450,7 +450,7 @@
           <a:bodyPr/>
           <a:lstStyle/>
           <a:p>
-            <a:fld id="{53C90276-E346-4215-9411-BF6AC58E549B}" type="datetimeFigureOut">
+            <a:fld id="{D9B8D079-CA58-4158-8D52-C19B27C4072E}" type="datetimeFigureOut">
               <a:rPr lang="zh-CN" altLang="en-US" smtClean="0"/>
               <a:t>2024/3/10</a:t>
             </a:fld>
@@ -463,7 +463,7 @@
           <p:cNvPr id="5" name="页脚占位符 4">
             <a:extLst>
               <a:ext uri="{FF2B5EF4-FFF2-40B4-BE49-F238E27FC236}">
-                <a16:creationId xmlns:a16="http://schemas.microsoft.com/office/drawing/2014/main" id="{B17C7B01-FF7C-F1A3-6280-30EFAE150E8A}"/>
+                <a16:creationId xmlns:a16="http://schemas.microsoft.com/office/drawing/2014/main" id="{223CF7DF-ACAB-61DE-9B4A-039C60A920EF}"/>
               </a:ext>
             </a:extLst>
           </p:cNvPr>
@@ -488,7 +488,7 @@
           <p:cNvPr id="6" name="灯片编号占位符 5">
             <a:extLst>
               <a:ext uri="{FF2B5EF4-FFF2-40B4-BE49-F238E27FC236}">
-                <a16:creationId xmlns:a16="http://schemas.microsoft.com/office/drawing/2014/main" id="{E938564C-1E1D-3EDE-9173-3FFE1A7A5801}"/>
+                <a16:creationId xmlns:a16="http://schemas.microsoft.com/office/drawing/2014/main" id="{320537AE-575F-80A2-8EE4-33E557C614C1}"/>
               </a:ext>
             </a:extLst>
           </p:cNvPr>
@@ -504,7 +504,7 @@
           <a:bodyPr/>
           <a:lstStyle/>
           <a:p>
-            <a:fld id="{113FB869-3295-49B1-AA7F-2608ED546B1D}" type="slidenum">
+            <a:fld id="{EBE16AC8-C325-4CA3-BB05-EEC92791B76D}" type="slidenum">
               <a:rPr lang="zh-CN" altLang="en-US" smtClean="0"/>
               <a:t>‹#›</a:t>
             </a:fld>
@@ -515,7 +515,7 @@
     </p:spTree>
     <p:extLst>
       <p:ext uri="{BB962C8B-B14F-4D97-AF65-F5344CB8AC3E}">
-        <p14:creationId xmlns:p14="http://schemas.microsoft.com/office/powerpoint/2010/main" val="1093891349"/>
+        <p14:creationId xmlns:p14="http://schemas.microsoft.com/office/powerpoint/2010/main" val="3047924447"/>
       </p:ext>
     </p:extLst>
   </p:cSld>
@@ -547,7 +547,7 @@
           <p:cNvPr id="2" name="竖排标题 1">
             <a:extLst>
               <a:ext uri="{FF2B5EF4-FFF2-40B4-BE49-F238E27FC236}">
-                <a16:creationId xmlns:a16="http://schemas.microsoft.com/office/drawing/2014/main" id="{2616AFDD-F685-75A6-6CFD-2EA090D127B4}"/>
+                <a16:creationId xmlns:a16="http://schemas.microsoft.com/office/drawing/2014/main" id="{49F50D13-4887-4B8E-8029-E297DD03CBCD}"/>
               </a:ext>
             </a:extLst>
           </p:cNvPr>
@@ -580,7 +580,7 @@
           <p:cNvPr id="3" name="竖排文字占位符 2">
             <a:extLst>
               <a:ext uri="{FF2B5EF4-FFF2-40B4-BE49-F238E27FC236}">
-                <a16:creationId xmlns:a16="http://schemas.microsoft.com/office/drawing/2014/main" id="{456AA933-A940-F5B7-7A56-EDE2F38F5BFC}"/>
+                <a16:creationId xmlns:a16="http://schemas.microsoft.com/office/drawing/2014/main" id="{BE867B03-8043-39CC-7D54-B75057E39D12}"/>
               </a:ext>
             </a:extLst>
           </p:cNvPr>
@@ -642,7 +642,7 @@
           <p:cNvPr id="4" name="日期占位符 3">
             <a:extLst>
               <a:ext uri="{FF2B5EF4-FFF2-40B4-BE49-F238E27FC236}">
-                <a16:creationId xmlns:a16="http://schemas.microsoft.com/office/drawing/2014/main" id="{D23FB35A-6812-D38C-DC4A-102063F5D762}"/>
+                <a16:creationId xmlns:a16="http://schemas.microsoft.com/office/drawing/2014/main" id="{A2754454-C63E-BDAA-C013-5C517CAB2071}"/>
               </a:ext>
             </a:extLst>
           </p:cNvPr>
@@ -658,7 +658,7 @@
           <a:bodyPr/>
           <a:lstStyle/>
           <a:p>
-            <a:fld id="{53C90276-E346-4215-9411-BF6AC58E549B}" type="datetimeFigureOut">
+            <a:fld id="{D9B8D079-CA58-4158-8D52-C19B27C4072E}" type="datetimeFigureOut">
               <a:rPr lang="zh-CN" altLang="en-US" smtClean="0"/>
               <a:t>2024/3/10</a:t>
             </a:fld>
@@ -671,7 +671,7 @@
           <p:cNvPr id="5" name="页脚占位符 4">
             <a:extLst>
               <a:ext uri="{FF2B5EF4-FFF2-40B4-BE49-F238E27FC236}">
-                <a16:creationId xmlns:a16="http://schemas.microsoft.com/office/drawing/2014/main" id="{97927125-2116-A12B-55BA-BC4F393A3732}"/>
+                <a16:creationId xmlns:a16="http://schemas.microsoft.com/office/drawing/2014/main" id="{A9517D4C-6F02-CB07-9B62-DA295587B419}"/>
               </a:ext>
             </a:extLst>
           </p:cNvPr>
@@ -696,7 +696,7 @@
           <p:cNvPr id="6" name="灯片编号占位符 5">
             <a:extLst>
               <a:ext uri="{FF2B5EF4-FFF2-40B4-BE49-F238E27FC236}">
-                <a16:creationId xmlns:a16="http://schemas.microsoft.com/office/drawing/2014/main" id="{BAF04425-43A8-5693-D622-262AB08E632B}"/>
+                <a16:creationId xmlns:a16="http://schemas.microsoft.com/office/drawing/2014/main" id="{7803768E-21AA-9DAC-BF02-C43A2F200206}"/>
               </a:ext>
             </a:extLst>
           </p:cNvPr>
@@ -712,7 +712,7 @@
           <a:bodyPr/>
           <a:lstStyle/>
           <a:p>
-            <a:fld id="{113FB869-3295-49B1-AA7F-2608ED546B1D}" type="slidenum">
+            <a:fld id="{EBE16AC8-C325-4CA3-BB05-EEC92791B76D}" type="slidenum">
               <a:rPr lang="zh-CN" altLang="en-US" smtClean="0"/>
               <a:t>‹#›</a:t>
             </a:fld>
@@ -723,7 +723,7 @@
     </p:spTree>
     <p:extLst>
       <p:ext uri="{BB962C8B-B14F-4D97-AF65-F5344CB8AC3E}">
-        <p14:creationId xmlns:p14="http://schemas.microsoft.com/office/powerpoint/2010/main" val="3475942119"/>
+        <p14:creationId xmlns:p14="http://schemas.microsoft.com/office/powerpoint/2010/main" val="959731388"/>
       </p:ext>
     </p:extLst>
   </p:cSld>
@@ -755,7 +755,7 @@
           <p:cNvPr id="2" name="标题 1">
             <a:extLst>
               <a:ext uri="{FF2B5EF4-FFF2-40B4-BE49-F238E27FC236}">
-                <a16:creationId xmlns:a16="http://schemas.microsoft.com/office/drawing/2014/main" id="{137A00D2-6723-B2BD-945D-5929BBC0C4AB}"/>
+                <a16:creationId xmlns:a16="http://schemas.microsoft.com/office/drawing/2014/main" id="{134E0D38-8A11-4682-D81C-C03DCBDEA4B2}"/>
               </a:ext>
             </a:extLst>
           </p:cNvPr>
@@ -783,7 +783,7 @@
           <p:cNvPr id="3" name="内容占位符 2">
             <a:extLst>
               <a:ext uri="{FF2B5EF4-FFF2-40B4-BE49-F238E27FC236}">
-                <a16:creationId xmlns:a16="http://schemas.microsoft.com/office/drawing/2014/main" id="{CB559336-E25F-A4A3-C691-02414E997BEA}"/>
+                <a16:creationId xmlns:a16="http://schemas.microsoft.com/office/drawing/2014/main" id="{EB64C3A5-D191-B020-1DB4-5B2926948A56}"/>
               </a:ext>
             </a:extLst>
           </p:cNvPr>
@@ -840,7 +840,7 @@
           <p:cNvPr id="4" name="日期占位符 3">
             <a:extLst>
               <a:ext uri="{FF2B5EF4-FFF2-40B4-BE49-F238E27FC236}">
-                <a16:creationId xmlns:a16="http://schemas.microsoft.com/office/drawing/2014/main" id="{8AAC57BE-8900-6D14-D66B-246073096618}"/>
+                <a16:creationId xmlns:a16="http://schemas.microsoft.com/office/drawing/2014/main" id="{209E3462-A060-9475-0831-457C37A33326}"/>
               </a:ext>
             </a:extLst>
           </p:cNvPr>
@@ -856,7 +856,7 @@
           <a:bodyPr/>
           <a:lstStyle/>
           <a:p>
-            <a:fld id="{53C90276-E346-4215-9411-BF6AC58E549B}" type="datetimeFigureOut">
+            <a:fld id="{D9B8D079-CA58-4158-8D52-C19B27C4072E}" type="datetimeFigureOut">
               <a:rPr lang="zh-CN" altLang="en-US" smtClean="0"/>
               <a:t>2024/3/10</a:t>
             </a:fld>
@@ -869,7 +869,7 @@
           <p:cNvPr id="5" name="页脚占位符 4">
             <a:extLst>
               <a:ext uri="{FF2B5EF4-FFF2-40B4-BE49-F238E27FC236}">
-                <a16:creationId xmlns:a16="http://schemas.microsoft.com/office/drawing/2014/main" id="{C03CA306-6D3C-2111-D188-E39C8F371F55}"/>
+                <a16:creationId xmlns:a16="http://schemas.microsoft.com/office/drawing/2014/main" id="{8646D855-19D2-E8DD-7372-676801BEFF6F}"/>
               </a:ext>
             </a:extLst>
           </p:cNvPr>
@@ -894,7 +894,7 @@
           <p:cNvPr id="6" name="灯片编号占位符 5">
             <a:extLst>
               <a:ext uri="{FF2B5EF4-FFF2-40B4-BE49-F238E27FC236}">
-                <a16:creationId xmlns:a16="http://schemas.microsoft.com/office/drawing/2014/main" id="{232B7972-DD42-5E54-8245-EB9FE40E2FAA}"/>
+                <a16:creationId xmlns:a16="http://schemas.microsoft.com/office/drawing/2014/main" id="{A3236076-632C-4DC5-B27B-8F19EDB4C2BA}"/>
               </a:ext>
             </a:extLst>
           </p:cNvPr>
@@ -910,7 +910,7 @@
           <a:bodyPr/>
           <a:lstStyle/>
           <a:p>
-            <a:fld id="{113FB869-3295-49B1-AA7F-2608ED546B1D}" type="slidenum">
+            <a:fld id="{EBE16AC8-C325-4CA3-BB05-EEC92791B76D}" type="slidenum">
               <a:rPr lang="zh-CN" altLang="en-US" smtClean="0"/>
               <a:t>‹#›</a:t>
             </a:fld>
@@ -921,7 +921,7 @@
     </p:spTree>
     <p:extLst>
       <p:ext uri="{BB962C8B-B14F-4D97-AF65-F5344CB8AC3E}">
-        <p14:creationId xmlns:p14="http://schemas.microsoft.com/office/powerpoint/2010/main" val="1772153490"/>
+        <p14:creationId xmlns:p14="http://schemas.microsoft.com/office/powerpoint/2010/main" val="3393628691"/>
       </p:ext>
     </p:extLst>
   </p:cSld>
@@ -953,7 +953,7 @@
           <p:cNvPr id="2" name="标题 1">
             <a:extLst>
               <a:ext uri="{FF2B5EF4-FFF2-40B4-BE49-F238E27FC236}">
-                <a16:creationId xmlns:a16="http://schemas.microsoft.com/office/drawing/2014/main" id="{D14391A1-C296-097A-78AA-D2CE59B567FC}"/>
+                <a16:creationId xmlns:a16="http://schemas.microsoft.com/office/drawing/2014/main" id="{449A3C25-5B1D-63DB-E393-68C30513B493}"/>
               </a:ext>
             </a:extLst>
           </p:cNvPr>
@@ -990,7 +990,7 @@
           <p:cNvPr id="3" name="文本占位符 2">
             <a:extLst>
               <a:ext uri="{FF2B5EF4-FFF2-40B4-BE49-F238E27FC236}">
-                <a16:creationId xmlns:a16="http://schemas.microsoft.com/office/drawing/2014/main" id="{BB7CF9FE-E1F5-65DE-5E62-ED1E4D91EB8F}"/>
+                <a16:creationId xmlns:a16="http://schemas.microsoft.com/office/drawing/2014/main" id="{6E3C2B96-CF68-0C19-61BC-E10F56FEEBC1}"/>
               </a:ext>
             </a:extLst>
           </p:cNvPr>
@@ -1115,7 +1115,7 @@
           <p:cNvPr id="4" name="日期占位符 3">
             <a:extLst>
               <a:ext uri="{FF2B5EF4-FFF2-40B4-BE49-F238E27FC236}">
-                <a16:creationId xmlns:a16="http://schemas.microsoft.com/office/drawing/2014/main" id="{2DA58702-5CCE-9624-4454-A3EE46DD54C2}"/>
+                <a16:creationId xmlns:a16="http://schemas.microsoft.com/office/drawing/2014/main" id="{454B1072-0DF6-3495-8E9B-615F2ED4742D}"/>
               </a:ext>
             </a:extLst>
           </p:cNvPr>
@@ -1131,7 +1131,7 @@
           <a:bodyPr/>
           <a:lstStyle/>
           <a:p>
-            <a:fld id="{53C90276-E346-4215-9411-BF6AC58E549B}" type="datetimeFigureOut">
+            <a:fld id="{D9B8D079-CA58-4158-8D52-C19B27C4072E}" type="datetimeFigureOut">
               <a:rPr lang="zh-CN" altLang="en-US" smtClean="0"/>
               <a:t>2024/3/10</a:t>
             </a:fld>
@@ -1144,7 +1144,7 @@
           <p:cNvPr id="5" name="页脚占位符 4">
             <a:extLst>
               <a:ext uri="{FF2B5EF4-FFF2-40B4-BE49-F238E27FC236}">
-                <a16:creationId xmlns:a16="http://schemas.microsoft.com/office/drawing/2014/main" id="{B8410BF8-7B03-150B-4FD1-F85B83BC4B2E}"/>
+                <a16:creationId xmlns:a16="http://schemas.microsoft.com/office/drawing/2014/main" id="{2DA99AA4-7399-D34A-97C9-8115590BE6C6}"/>
               </a:ext>
             </a:extLst>
           </p:cNvPr>
@@ -1169,7 +1169,7 @@
           <p:cNvPr id="6" name="灯片编号占位符 5">
             <a:extLst>
               <a:ext uri="{FF2B5EF4-FFF2-40B4-BE49-F238E27FC236}">
-                <a16:creationId xmlns:a16="http://schemas.microsoft.com/office/drawing/2014/main" id="{03A27FAA-CDF1-96B5-83FA-3698410DD083}"/>
+                <a16:creationId xmlns:a16="http://schemas.microsoft.com/office/drawing/2014/main" id="{CA5FB961-9777-D6FA-F885-358D528F6174}"/>
               </a:ext>
             </a:extLst>
           </p:cNvPr>
@@ -1185,7 +1185,7 @@
           <a:bodyPr/>
           <a:lstStyle/>
           <a:p>
-            <a:fld id="{113FB869-3295-49B1-AA7F-2608ED546B1D}" type="slidenum">
+            <a:fld id="{EBE16AC8-C325-4CA3-BB05-EEC92791B76D}" type="slidenum">
               <a:rPr lang="zh-CN" altLang="en-US" smtClean="0"/>
               <a:t>‹#›</a:t>
             </a:fld>
@@ -1196,7 +1196,7 @@
     </p:spTree>
     <p:extLst>
       <p:ext uri="{BB962C8B-B14F-4D97-AF65-F5344CB8AC3E}">
-        <p14:creationId xmlns:p14="http://schemas.microsoft.com/office/powerpoint/2010/main" val="1535903819"/>
+        <p14:creationId xmlns:p14="http://schemas.microsoft.com/office/powerpoint/2010/main" val="3812754164"/>
       </p:ext>
     </p:extLst>
   </p:cSld>
@@ -1228,7 +1228,7 @@
           <p:cNvPr id="2" name="标题 1">
             <a:extLst>
               <a:ext uri="{FF2B5EF4-FFF2-40B4-BE49-F238E27FC236}">
-                <a16:creationId xmlns:a16="http://schemas.microsoft.com/office/drawing/2014/main" id="{1388E7B1-353C-EA8A-29B5-E6FD411F5F41}"/>
+                <a16:creationId xmlns:a16="http://schemas.microsoft.com/office/drawing/2014/main" id="{D9E056F3-79B8-A8B6-A866-268D21D81770}"/>
               </a:ext>
             </a:extLst>
           </p:cNvPr>
@@ -1256,7 +1256,7 @@
           <p:cNvPr id="3" name="内容占位符 2">
             <a:extLst>
               <a:ext uri="{FF2B5EF4-FFF2-40B4-BE49-F238E27FC236}">
-                <a16:creationId xmlns:a16="http://schemas.microsoft.com/office/drawing/2014/main" id="{A8D68FA6-17F5-0E93-6F15-3D7AB4CDAD8C}"/>
+                <a16:creationId xmlns:a16="http://schemas.microsoft.com/office/drawing/2014/main" id="{1702B510-670E-A4B5-9AC9-55087F34586D}"/>
               </a:ext>
             </a:extLst>
           </p:cNvPr>
@@ -1318,7 +1318,7 @@
           <p:cNvPr id="4" name="内容占位符 3">
             <a:extLst>
               <a:ext uri="{FF2B5EF4-FFF2-40B4-BE49-F238E27FC236}">
-                <a16:creationId xmlns:a16="http://schemas.microsoft.com/office/drawing/2014/main" id="{B324D74E-864F-2551-925A-C0FB814D5A06}"/>
+                <a16:creationId xmlns:a16="http://schemas.microsoft.com/office/drawing/2014/main" id="{B140A259-BCDF-A8E6-A552-EEA5C9C07780}"/>
               </a:ext>
             </a:extLst>
           </p:cNvPr>
@@ -1380,7 +1380,7 @@
           <p:cNvPr id="5" name="日期占位符 4">
             <a:extLst>
               <a:ext uri="{FF2B5EF4-FFF2-40B4-BE49-F238E27FC236}">
-                <a16:creationId xmlns:a16="http://schemas.microsoft.com/office/drawing/2014/main" id="{ECFBAD59-0D11-7AD9-CCBD-395AF1EC403F}"/>
+                <a16:creationId xmlns:a16="http://schemas.microsoft.com/office/drawing/2014/main" id="{1B60DA82-47E7-216F-6D8A-7B286513ACFF}"/>
               </a:ext>
             </a:extLst>
           </p:cNvPr>
@@ -1396,7 +1396,7 @@
           <a:bodyPr/>
           <a:lstStyle/>
           <a:p>
-            <a:fld id="{53C90276-E346-4215-9411-BF6AC58E549B}" type="datetimeFigureOut">
+            <a:fld id="{D9B8D079-CA58-4158-8D52-C19B27C4072E}" type="datetimeFigureOut">
               <a:rPr lang="zh-CN" altLang="en-US" smtClean="0"/>
               <a:t>2024/3/10</a:t>
             </a:fld>
@@ -1409,7 +1409,7 @@
           <p:cNvPr id="6" name="页脚占位符 5">
             <a:extLst>
               <a:ext uri="{FF2B5EF4-FFF2-40B4-BE49-F238E27FC236}">
-                <a16:creationId xmlns:a16="http://schemas.microsoft.com/office/drawing/2014/main" id="{AB407440-4D34-AE17-2F10-C122C55ABCE7}"/>
+                <a16:creationId xmlns:a16="http://schemas.microsoft.com/office/drawing/2014/main" id="{89975947-2543-6F70-8DDD-591594A44C87}"/>
               </a:ext>
             </a:extLst>
           </p:cNvPr>
@@ -1434,7 +1434,7 @@
           <p:cNvPr id="7" name="灯片编号占位符 6">
             <a:extLst>
               <a:ext uri="{FF2B5EF4-FFF2-40B4-BE49-F238E27FC236}">
-                <a16:creationId xmlns:a16="http://schemas.microsoft.com/office/drawing/2014/main" id="{6378E341-332C-C4E1-3DBF-CE0CBAB84862}"/>
+                <a16:creationId xmlns:a16="http://schemas.microsoft.com/office/drawing/2014/main" id="{4E903FB8-DA85-FB71-9BD5-65E157A2F02E}"/>
               </a:ext>
             </a:extLst>
           </p:cNvPr>
@@ -1450,7 +1450,7 @@
           <a:bodyPr/>
           <a:lstStyle/>
           <a:p>
-            <a:fld id="{113FB869-3295-49B1-AA7F-2608ED546B1D}" type="slidenum">
+            <a:fld id="{EBE16AC8-C325-4CA3-BB05-EEC92791B76D}" type="slidenum">
               <a:rPr lang="zh-CN" altLang="en-US" smtClean="0"/>
               <a:t>‹#›</a:t>
             </a:fld>
@@ -1461,7 +1461,7 @@
     </p:spTree>
     <p:extLst>
       <p:ext uri="{BB962C8B-B14F-4D97-AF65-F5344CB8AC3E}">
-        <p14:creationId xmlns:p14="http://schemas.microsoft.com/office/powerpoint/2010/main" val="730499562"/>
+        <p14:creationId xmlns:p14="http://schemas.microsoft.com/office/powerpoint/2010/main" val="2216604239"/>
       </p:ext>
     </p:extLst>
   </p:cSld>
@@ -1493,7 +1493,7 @@
           <p:cNvPr id="2" name="标题 1">
             <a:extLst>
               <a:ext uri="{FF2B5EF4-FFF2-40B4-BE49-F238E27FC236}">
-                <a16:creationId xmlns:a16="http://schemas.microsoft.com/office/drawing/2014/main" id="{9273A4B3-9E22-B227-A148-8F2FD1BD59D4}"/>
+                <a16:creationId xmlns:a16="http://schemas.microsoft.com/office/drawing/2014/main" id="{B57451F5-274C-00E0-73F8-F15467036303}"/>
               </a:ext>
             </a:extLst>
           </p:cNvPr>
@@ -1526,7 +1526,7 @@
           <p:cNvPr id="3" name="文本占位符 2">
             <a:extLst>
               <a:ext uri="{FF2B5EF4-FFF2-40B4-BE49-F238E27FC236}">
-                <a16:creationId xmlns:a16="http://schemas.microsoft.com/office/drawing/2014/main" id="{4972F392-77FC-7280-E0DE-DAC513B7E168}"/>
+                <a16:creationId xmlns:a16="http://schemas.microsoft.com/office/drawing/2014/main" id="{7833BF00-8EFA-0B86-CBEF-3AF2C1B04128}"/>
               </a:ext>
             </a:extLst>
           </p:cNvPr>
@@ -1597,7 +1597,7 @@
           <p:cNvPr id="4" name="内容占位符 3">
             <a:extLst>
               <a:ext uri="{FF2B5EF4-FFF2-40B4-BE49-F238E27FC236}">
-                <a16:creationId xmlns:a16="http://schemas.microsoft.com/office/drawing/2014/main" id="{41FB4039-950F-A3D2-903E-EB37BE9C1310}"/>
+                <a16:creationId xmlns:a16="http://schemas.microsoft.com/office/drawing/2014/main" id="{020E44B6-419E-9239-34ED-4D53F9A4D274}"/>
               </a:ext>
             </a:extLst>
           </p:cNvPr>
@@ -1659,7 +1659,7 @@
           <p:cNvPr id="5" name="文本占位符 4">
             <a:extLst>
               <a:ext uri="{FF2B5EF4-FFF2-40B4-BE49-F238E27FC236}">
-                <a16:creationId xmlns:a16="http://schemas.microsoft.com/office/drawing/2014/main" id="{292FCD44-1023-60F1-635C-870FD8F6A7E2}"/>
+                <a16:creationId xmlns:a16="http://schemas.microsoft.com/office/drawing/2014/main" id="{FE851407-02E8-360B-841C-B8E1121E28F7}"/>
               </a:ext>
             </a:extLst>
           </p:cNvPr>
@@ -1730,7 +1730,7 @@
           <p:cNvPr id="6" name="内容占位符 5">
             <a:extLst>
               <a:ext uri="{FF2B5EF4-FFF2-40B4-BE49-F238E27FC236}">
-                <a16:creationId xmlns:a16="http://schemas.microsoft.com/office/drawing/2014/main" id="{E6C237CF-60FD-1D02-4C18-B0F4C0107DC8}"/>
+                <a16:creationId xmlns:a16="http://schemas.microsoft.com/office/drawing/2014/main" id="{6AA70ED0-01E3-22A5-4693-A9155B93D7CD}"/>
               </a:ext>
             </a:extLst>
           </p:cNvPr>
@@ -1792,7 +1792,7 @@
           <p:cNvPr id="7" name="日期占位符 6">
             <a:extLst>
               <a:ext uri="{FF2B5EF4-FFF2-40B4-BE49-F238E27FC236}">
-                <a16:creationId xmlns:a16="http://schemas.microsoft.com/office/drawing/2014/main" id="{6323830E-3C43-D14E-4BE7-DDFC135559D9}"/>
+                <a16:creationId xmlns:a16="http://schemas.microsoft.com/office/drawing/2014/main" id="{D3CD8B55-DBB2-5871-BB31-8D33A178478B}"/>
               </a:ext>
             </a:extLst>
           </p:cNvPr>
@@ -1808,7 +1808,7 @@
           <a:bodyPr/>
           <a:lstStyle/>
           <a:p>
-            <a:fld id="{53C90276-E346-4215-9411-BF6AC58E549B}" type="datetimeFigureOut">
+            <a:fld id="{D9B8D079-CA58-4158-8D52-C19B27C4072E}" type="datetimeFigureOut">
               <a:rPr lang="zh-CN" altLang="en-US" smtClean="0"/>
               <a:t>2024/3/10</a:t>
             </a:fld>
@@ -1821,7 +1821,7 @@
           <p:cNvPr id="8" name="页脚占位符 7">
             <a:extLst>
               <a:ext uri="{FF2B5EF4-FFF2-40B4-BE49-F238E27FC236}">
-                <a16:creationId xmlns:a16="http://schemas.microsoft.com/office/drawing/2014/main" id="{F5773728-8137-C813-F084-19D14F641946}"/>
+                <a16:creationId xmlns:a16="http://schemas.microsoft.com/office/drawing/2014/main" id="{F517CA58-A5F3-F20A-C6E6-D1A3FA571DB4}"/>
               </a:ext>
             </a:extLst>
           </p:cNvPr>
@@ -1846,7 +1846,7 @@
           <p:cNvPr id="9" name="灯片编号占位符 8">
             <a:extLst>
               <a:ext uri="{FF2B5EF4-FFF2-40B4-BE49-F238E27FC236}">
-                <a16:creationId xmlns:a16="http://schemas.microsoft.com/office/drawing/2014/main" id="{BB5DFD96-F603-32FE-EFEA-0AE5AC5CE100}"/>
+                <a16:creationId xmlns:a16="http://schemas.microsoft.com/office/drawing/2014/main" id="{FD3569E3-9D4E-D1ED-780C-D3C36FDB93B3}"/>
               </a:ext>
             </a:extLst>
           </p:cNvPr>
@@ -1862,7 +1862,7 @@
           <a:bodyPr/>
           <a:lstStyle/>
           <a:p>
-            <a:fld id="{113FB869-3295-49B1-AA7F-2608ED546B1D}" type="slidenum">
+            <a:fld id="{EBE16AC8-C325-4CA3-BB05-EEC92791B76D}" type="slidenum">
               <a:rPr lang="zh-CN" altLang="en-US" smtClean="0"/>
               <a:t>‹#›</a:t>
             </a:fld>
@@ -1873,7 +1873,7 @@
     </p:spTree>
     <p:extLst>
       <p:ext uri="{BB962C8B-B14F-4D97-AF65-F5344CB8AC3E}">
-        <p14:creationId xmlns:p14="http://schemas.microsoft.com/office/powerpoint/2010/main" val="1967066200"/>
+        <p14:creationId xmlns:p14="http://schemas.microsoft.com/office/powerpoint/2010/main" val="1766951788"/>
       </p:ext>
     </p:extLst>
   </p:cSld>
@@ -1905,7 +1905,7 @@
           <p:cNvPr id="2" name="标题 1">
             <a:extLst>
               <a:ext uri="{FF2B5EF4-FFF2-40B4-BE49-F238E27FC236}">
-                <a16:creationId xmlns:a16="http://schemas.microsoft.com/office/drawing/2014/main" id="{DB3FA0D5-B09E-6AA4-BB10-E25BE130BB0D}"/>
+                <a16:creationId xmlns:a16="http://schemas.microsoft.com/office/drawing/2014/main" id="{04F99789-DEF3-88D5-203A-69ECE23C4C8D}"/>
               </a:ext>
             </a:extLst>
           </p:cNvPr>
@@ -1933,7 +1933,7 @@
           <p:cNvPr id="3" name="日期占位符 2">
             <a:extLst>
               <a:ext uri="{FF2B5EF4-FFF2-40B4-BE49-F238E27FC236}">
-                <a16:creationId xmlns:a16="http://schemas.microsoft.com/office/drawing/2014/main" id="{7F21E7F7-EC2E-D3B7-400D-1B023DBDE6AF}"/>
+                <a16:creationId xmlns:a16="http://schemas.microsoft.com/office/drawing/2014/main" id="{A5DC015C-0A92-572D-6860-6BA8C49F3BF3}"/>
               </a:ext>
             </a:extLst>
           </p:cNvPr>
@@ -1949,7 +1949,7 @@
           <a:bodyPr/>
           <a:lstStyle/>
           <a:p>
-            <a:fld id="{53C90276-E346-4215-9411-BF6AC58E549B}" type="datetimeFigureOut">
+            <a:fld id="{D9B8D079-CA58-4158-8D52-C19B27C4072E}" type="datetimeFigureOut">
               <a:rPr lang="zh-CN" altLang="en-US" smtClean="0"/>
               <a:t>2024/3/10</a:t>
             </a:fld>
@@ -1962,7 +1962,7 @@
           <p:cNvPr id="4" name="页脚占位符 3">
             <a:extLst>
               <a:ext uri="{FF2B5EF4-FFF2-40B4-BE49-F238E27FC236}">
-                <a16:creationId xmlns:a16="http://schemas.microsoft.com/office/drawing/2014/main" id="{9EDB9CF5-0801-4242-A487-EFA2C49F003F}"/>
+                <a16:creationId xmlns:a16="http://schemas.microsoft.com/office/drawing/2014/main" id="{F1543DDF-B456-E4CC-AAC3-B0D7C766F2BA}"/>
               </a:ext>
             </a:extLst>
           </p:cNvPr>
@@ -1987,7 +1987,7 @@
           <p:cNvPr id="5" name="灯片编号占位符 4">
             <a:extLst>
               <a:ext uri="{FF2B5EF4-FFF2-40B4-BE49-F238E27FC236}">
-                <a16:creationId xmlns:a16="http://schemas.microsoft.com/office/drawing/2014/main" id="{ADCB37AF-2116-E046-8C3D-E09FE72C02EA}"/>
+                <a16:creationId xmlns:a16="http://schemas.microsoft.com/office/drawing/2014/main" id="{694A013E-8862-41F0-2F1B-F495F9BCF3BC}"/>
               </a:ext>
             </a:extLst>
           </p:cNvPr>
@@ -2003,7 +2003,7 @@
           <a:bodyPr/>
           <a:lstStyle/>
           <a:p>
-            <a:fld id="{113FB869-3295-49B1-AA7F-2608ED546B1D}" type="slidenum">
+            <a:fld id="{EBE16AC8-C325-4CA3-BB05-EEC92791B76D}" type="slidenum">
               <a:rPr lang="zh-CN" altLang="en-US" smtClean="0"/>
               <a:t>‹#›</a:t>
             </a:fld>
@@ -2014,7 +2014,7 @@
     </p:spTree>
     <p:extLst>
       <p:ext uri="{BB962C8B-B14F-4D97-AF65-F5344CB8AC3E}">
-        <p14:creationId xmlns:p14="http://schemas.microsoft.com/office/powerpoint/2010/main" val="1206329042"/>
+        <p14:creationId xmlns:p14="http://schemas.microsoft.com/office/powerpoint/2010/main" val="688475697"/>
       </p:ext>
     </p:extLst>
   </p:cSld>
@@ -2046,7 +2046,7 @@
           <p:cNvPr id="2" name="日期占位符 1">
             <a:extLst>
               <a:ext uri="{FF2B5EF4-FFF2-40B4-BE49-F238E27FC236}">
-                <a16:creationId xmlns:a16="http://schemas.microsoft.com/office/drawing/2014/main" id="{F75AF449-4E43-E585-7CEE-68BE2E5BAE0A}"/>
+                <a16:creationId xmlns:a16="http://schemas.microsoft.com/office/drawing/2014/main" id="{377B4F36-2667-7EE5-927C-48ABDBC078B0}"/>
               </a:ext>
             </a:extLst>
           </p:cNvPr>
@@ -2062,7 +2062,7 @@
           <a:bodyPr/>
           <a:lstStyle/>
           <a:p>
-            <a:fld id="{53C90276-E346-4215-9411-BF6AC58E549B}" type="datetimeFigureOut">
+            <a:fld id="{D9B8D079-CA58-4158-8D52-C19B27C4072E}" type="datetimeFigureOut">
               <a:rPr lang="zh-CN" altLang="en-US" smtClean="0"/>
               <a:t>2024/3/10</a:t>
             </a:fld>
@@ -2075,7 +2075,7 @@
           <p:cNvPr id="3" name="页脚占位符 2">
             <a:extLst>
               <a:ext uri="{FF2B5EF4-FFF2-40B4-BE49-F238E27FC236}">
-                <a16:creationId xmlns:a16="http://schemas.microsoft.com/office/drawing/2014/main" id="{265FEB0F-7285-2A6D-9BBC-B915D6783856}"/>
+                <a16:creationId xmlns:a16="http://schemas.microsoft.com/office/drawing/2014/main" id="{3C76FEA0-8AE6-33E2-D23A-5960B5BB6921}"/>
               </a:ext>
             </a:extLst>
           </p:cNvPr>
@@ -2100,7 +2100,7 @@
           <p:cNvPr id="4" name="灯片编号占位符 3">
             <a:extLst>
               <a:ext uri="{FF2B5EF4-FFF2-40B4-BE49-F238E27FC236}">
-                <a16:creationId xmlns:a16="http://schemas.microsoft.com/office/drawing/2014/main" id="{A0BE18AC-7CA2-191B-5141-BA3BB8EE8BBF}"/>
+                <a16:creationId xmlns:a16="http://schemas.microsoft.com/office/drawing/2014/main" id="{2D3BD4BE-FE7F-D7FD-98C5-EB2084D77FB1}"/>
               </a:ext>
             </a:extLst>
           </p:cNvPr>
@@ -2116,7 +2116,7 @@
           <a:bodyPr/>
           <a:lstStyle/>
           <a:p>
-            <a:fld id="{113FB869-3295-49B1-AA7F-2608ED546B1D}" type="slidenum">
+            <a:fld id="{EBE16AC8-C325-4CA3-BB05-EEC92791B76D}" type="slidenum">
               <a:rPr lang="zh-CN" altLang="en-US" smtClean="0"/>
               <a:t>‹#›</a:t>
             </a:fld>
@@ -2127,7 +2127,7 @@
     </p:spTree>
     <p:extLst>
       <p:ext uri="{BB962C8B-B14F-4D97-AF65-F5344CB8AC3E}">
-        <p14:creationId xmlns:p14="http://schemas.microsoft.com/office/powerpoint/2010/main" val="3127908149"/>
+        <p14:creationId xmlns:p14="http://schemas.microsoft.com/office/powerpoint/2010/main" val="4241856425"/>
       </p:ext>
     </p:extLst>
   </p:cSld>
@@ -2159,7 +2159,7 @@
           <p:cNvPr id="2" name="标题 1">
             <a:extLst>
               <a:ext uri="{FF2B5EF4-FFF2-40B4-BE49-F238E27FC236}">
-                <a16:creationId xmlns:a16="http://schemas.microsoft.com/office/drawing/2014/main" id="{65819EAD-954B-808D-4AD4-F8A7F2A7A2B4}"/>
+                <a16:creationId xmlns:a16="http://schemas.microsoft.com/office/drawing/2014/main" id="{D17FA066-3295-3CD1-97BA-6446724B2374}"/>
               </a:ext>
             </a:extLst>
           </p:cNvPr>
@@ -2196,7 +2196,7 @@
           <p:cNvPr id="3" name="内容占位符 2">
             <a:extLst>
               <a:ext uri="{FF2B5EF4-FFF2-40B4-BE49-F238E27FC236}">
-                <a16:creationId xmlns:a16="http://schemas.microsoft.com/office/drawing/2014/main" id="{B2CB35F6-E4D1-E8DC-8968-2015082785B1}"/>
+                <a16:creationId xmlns:a16="http://schemas.microsoft.com/office/drawing/2014/main" id="{15DEF345-73DA-C91C-E9C4-7C1119F5E8C9}"/>
               </a:ext>
             </a:extLst>
           </p:cNvPr>
@@ -2286,7 +2286,7 @@
           <p:cNvPr id="4" name="文本占位符 3">
             <a:extLst>
               <a:ext uri="{FF2B5EF4-FFF2-40B4-BE49-F238E27FC236}">
-                <a16:creationId xmlns:a16="http://schemas.microsoft.com/office/drawing/2014/main" id="{13D95BE3-42BF-0883-F258-3A164D4879AC}"/>
+                <a16:creationId xmlns:a16="http://schemas.microsoft.com/office/drawing/2014/main" id="{79AE8003-F236-7EB2-E0A5-568A46ACFD72}"/>
               </a:ext>
             </a:extLst>
           </p:cNvPr>
@@ -2357,7 +2357,7 @@
           <p:cNvPr id="5" name="日期占位符 4">
             <a:extLst>
               <a:ext uri="{FF2B5EF4-FFF2-40B4-BE49-F238E27FC236}">
-                <a16:creationId xmlns:a16="http://schemas.microsoft.com/office/drawing/2014/main" id="{7C9753AA-A525-604F-6728-C6E1CA6A117F}"/>
+                <a16:creationId xmlns:a16="http://schemas.microsoft.com/office/drawing/2014/main" id="{DA4DF892-9396-4F0A-AFA8-8A25DCE792C3}"/>
               </a:ext>
             </a:extLst>
           </p:cNvPr>
@@ -2373,7 +2373,7 @@
           <a:bodyPr/>
           <a:lstStyle/>
           <a:p>
-            <a:fld id="{53C90276-E346-4215-9411-BF6AC58E549B}" type="datetimeFigureOut">
+            <a:fld id="{D9B8D079-CA58-4158-8D52-C19B27C4072E}" type="datetimeFigureOut">
               <a:rPr lang="zh-CN" altLang="en-US" smtClean="0"/>
               <a:t>2024/3/10</a:t>
             </a:fld>
@@ -2386,7 +2386,7 @@
           <p:cNvPr id="6" name="页脚占位符 5">
             <a:extLst>
               <a:ext uri="{FF2B5EF4-FFF2-40B4-BE49-F238E27FC236}">
-                <a16:creationId xmlns:a16="http://schemas.microsoft.com/office/drawing/2014/main" id="{79023214-E3A9-A90A-D536-8EC114D2EC43}"/>
+                <a16:creationId xmlns:a16="http://schemas.microsoft.com/office/drawing/2014/main" id="{5343C94C-2031-FDCC-A468-0A8E6553F039}"/>
               </a:ext>
             </a:extLst>
           </p:cNvPr>
@@ -2411,7 +2411,7 @@
           <p:cNvPr id="7" name="灯片编号占位符 6">
             <a:extLst>
               <a:ext uri="{FF2B5EF4-FFF2-40B4-BE49-F238E27FC236}">
-                <a16:creationId xmlns:a16="http://schemas.microsoft.com/office/drawing/2014/main" id="{3E11E59C-6E84-F9B2-036A-AEAD5A04B84F}"/>
+                <a16:creationId xmlns:a16="http://schemas.microsoft.com/office/drawing/2014/main" id="{9A1CA400-44F6-21AF-28BC-E0194C2C34DC}"/>
               </a:ext>
             </a:extLst>
           </p:cNvPr>
@@ -2427,7 +2427,7 @@
           <a:bodyPr/>
           <a:lstStyle/>
           <a:p>
-            <a:fld id="{113FB869-3295-49B1-AA7F-2608ED546B1D}" type="slidenum">
+            <a:fld id="{EBE16AC8-C325-4CA3-BB05-EEC92791B76D}" type="slidenum">
               <a:rPr lang="zh-CN" altLang="en-US" smtClean="0"/>
               <a:t>‹#›</a:t>
             </a:fld>
@@ -2438,7 +2438,7 @@
     </p:spTree>
     <p:extLst>
       <p:ext uri="{BB962C8B-B14F-4D97-AF65-F5344CB8AC3E}">
-        <p14:creationId xmlns:p14="http://schemas.microsoft.com/office/powerpoint/2010/main" val="208056793"/>
+        <p14:creationId xmlns:p14="http://schemas.microsoft.com/office/powerpoint/2010/main" val="3586945799"/>
       </p:ext>
     </p:extLst>
   </p:cSld>
@@ -2470,7 +2470,7 @@
           <p:cNvPr id="2" name="标题 1">
             <a:extLst>
               <a:ext uri="{FF2B5EF4-FFF2-40B4-BE49-F238E27FC236}">
-                <a16:creationId xmlns:a16="http://schemas.microsoft.com/office/drawing/2014/main" id="{47379471-4C53-26EA-6909-12131349756A}"/>
+                <a16:creationId xmlns:a16="http://schemas.microsoft.com/office/drawing/2014/main" id="{6106F435-5F22-28F3-BE9A-49C535D273CE}"/>
               </a:ext>
             </a:extLst>
           </p:cNvPr>
@@ -2507,7 +2507,7 @@
           <p:cNvPr id="3" name="图片占位符 2">
             <a:extLst>
               <a:ext uri="{FF2B5EF4-FFF2-40B4-BE49-F238E27FC236}">
-                <a16:creationId xmlns:a16="http://schemas.microsoft.com/office/drawing/2014/main" id="{07B2F07E-9FA8-CA47-9D22-7D71A6DC471D}"/>
+                <a16:creationId xmlns:a16="http://schemas.microsoft.com/office/drawing/2014/main" id="{46C493B9-E300-6988-9186-376C2057A63F}"/>
               </a:ext>
             </a:extLst>
           </p:cNvPr>
@@ -2574,7 +2574,7 @@
           <p:cNvPr id="4" name="文本占位符 3">
             <a:extLst>
               <a:ext uri="{FF2B5EF4-FFF2-40B4-BE49-F238E27FC236}">
-                <a16:creationId xmlns:a16="http://schemas.microsoft.com/office/drawing/2014/main" id="{40234C0F-7DEB-6750-F46D-36944F431AA0}"/>
+                <a16:creationId xmlns:a16="http://schemas.microsoft.com/office/drawing/2014/main" id="{DF540B1D-7246-7228-97EF-235BE923FC21}"/>
               </a:ext>
             </a:extLst>
           </p:cNvPr>
@@ -2645,7 +2645,7 @@
           <p:cNvPr id="5" name="日期占位符 4">
             <a:extLst>
               <a:ext uri="{FF2B5EF4-FFF2-40B4-BE49-F238E27FC236}">
-                <a16:creationId xmlns:a16="http://schemas.microsoft.com/office/drawing/2014/main" id="{64A6264A-509D-339F-1901-31590894B935}"/>
+                <a16:creationId xmlns:a16="http://schemas.microsoft.com/office/drawing/2014/main" id="{C6AF8018-E648-A1C4-8F3E-CD367F01FEB7}"/>
               </a:ext>
             </a:extLst>
           </p:cNvPr>
@@ -2661,7 +2661,7 @@
           <a:bodyPr/>
           <a:lstStyle/>
           <a:p>
-            <a:fld id="{53C90276-E346-4215-9411-BF6AC58E549B}" type="datetimeFigureOut">
+            <a:fld id="{D9B8D079-CA58-4158-8D52-C19B27C4072E}" type="datetimeFigureOut">
               <a:rPr lang="zh-CN" altLang="en-US" smtClean="0"/>
               <a:t>2024/3/10</a:t>
             </a:fld>
@@ -2674,7 +2674,7 @@
           <p:cNvPr id="6" name="页脚占位符 5">
             <a:extLst>
               <a:ext uri="{FF2B5EF4-FFF2-40B4-BE49-F238E27FC236}">
-                <a16:creationId xmlns:a16="http://schemas.microsoft.com/office/drawing/2014/main" id="{BF42E509-4C8B-8922-A4FB-6BBA9DCD07FE}"/>
+                <a16:creationId xmlns:a16="http://schemas.microsoft.com/office/drawing/2014/main" id="{BE0DBF78-61A0-818B-2906-7DEBEC173D2F}"/>
               </a:ext>
             </a:extLst>
           </p:cNvPr>
@@ -2699,7 +2699,7 @@
           <p:cNvPr id="7" name="灯片编号占位符 6">
             <a:extLst>
               <a:ext uri="{FF2B5EF4-FFF2-40B4-BE49-F238E27FC236}">
-                <a16:creationId xmlns:a16="http://schemas.microsoft.com/office/drawing/2014/main" id="{05A8A7CD-31E2-2249-9EC6-22F8C12D7687}"/>
+                <a16:creationId xmlns:a16="http://schemas.microsoft.com/office/drawing/2014/main" id="{5C491B44-8281-26C0-8958-53D7DF4255F7}"/>
               </a:ext>
             </a:extLst>
           </p:cNvPr>
@@ -2715,7 +2715,7 @@
           <a:bodyPr/>
           <a:lstStyle/>
           <a:p>
-            <a:fld id="{113FB869-3295-49B1-AA7F-2608ED546B1D}" type="slidenum">
+            <a:fld id="{EBE16AC8-C325-4CA3-BB05-EEC92791B76D}" type="slidenum">
               <a:rPr lang="zh-CN" altLang="en-US" smtClean="0"/>
               <a:t>‹#›</a:t>
             </a:fld>
@@ -2726,7 +2726,7 @@
     </p:spTree>
     <p:extLst>
       <p:ext uri="{BB962C8B-B14F-4D97-AF65-F5344CB8AC3E}">
-        <p14:creationId xmlns:p14="http://schemas.microsoft.com/office/powerpoint/2010/main" val="3526764119"/>
+        <p14:creationId xmlns:p14="http://schemas.microsoft.com/office/powerpoint/2010/main" val="1913606659"/>
       </p:ext>
     </p:extLst>
   </p:cSld>
@@ -2763,7 +2763,7 @@
           <p:cNvPr id="2" name="标题占位符 1">
             <a:extLst>
               <a:ext uri="{FF2B5EF4-FFF2-40B4-BE49-F238E27FC236}">
-                <a16:creationId xmlns:a16="http://schemas.microsoft.com/office/drawing/2014/main" id="{613D06C7-7DE1-37A1-8504-67C6EE2965E9}"/>
+                <a16:creationId xmlns:a16="http://schemas.microsoft.com/office/drawing/2014/main" id="{6D75EB1E-5E1D-ABBF-7A1D-A47654667743}"/>
               </a:ext>
             </a:extLst>
           </p:cNvPr>
@@ -2801,7 +2801,7 @@
           <p:cNvPr id="3" name="文本占位符 2">
             <a:extLst>
               <a:ext uri="{FF2B5EF4-FFF2-40B4-BE49-F238E27FC236}">
-                <a16:creationId xmlns:a16="http://schemas.microsoft.com/office/drawing/2014/main" id="{B9BCFF17-72AD-3879-6A43-5A30EDF0D160}"/>
+                <a16:creationId xmlns:a16="http://schemas.microsoft.com/office/drawing/2014/main" id="{2FD02804-829B-0B8F-4550-204ECD006D4B}"/>
               </a:ext>
             </a:extLst>
           </p:cNvPr>
@@ -2868,7 +2868,7 @@
           <p:cNvPr id="4" name="日期占位符 3">
             <a:extLst>
               <a:ext uri="{FF2B5EF4-FFF2-40B4-BE49-F238E27FC236}">
-                <a16:creationId xmlns:a16="http://schemas.microsoft.com/office/drawing/2014/main" id="{E32D3189-C60D-56C0-A8EA-3A20B514B437}"/>
+                <a16:creationId xmlns:a16="http://schemas.microsoft.com/office/drawing/2014/main" id="{24078B63-E147-3235-F281-5B3A2FAC4C5D}"/>
               </a:ext>
             </a:extLst>
           </p:cNvPr>
@@ -2902,7 +2902,7 @@
             </a:lvl1pPr>
           </a:lstStyle>
           <a:p>
-            <a:fld id="{53C90276-E346-4215-9411-BF6AC58E549B}" type="datetimeFigureOut">
+            <a:fld id="{D9B8D079-CA58-4158-8D52-C19B27C4072E}" type="datetimeFigureOut">
               <a:rPr lang="zh-CN" altLang="en-US" smtClean="0"/>
               <a:t>2024/3/10</a:t>
             </a:fld>
@@ -2915,7 +2915,7 @@
           <p:cNvPr id="5" name="页脚占位符 4">
             <a:extLst>
               <a:ext uri="{FF2B5EF4-FFF2-40B4-BE49-F238E27FC236}">
-                <a16:creationId xmlns:a16="http://schemas.microsoft.com/office/drawing/2014/main" id="{FBC0C36E-A51E-502F-8C40-481BCF6EB57B}"/>
+                <a16:creationId xmlns:a16="http://schemas.microsoft.com/office/drawing/2014/main" id="{737B401D-5311-91CE-0309-1E8897249CE2}"/>
               </a:ext>
             </a:extLst>
           </p:cNvPr>
@@ -2958,7 +2958,7 @@
           <p:cNvPr id="6" name="灯片编号占位符 5">
             <a:extLst>
               <a:ext uri="{FF2B5EF4-FFF2-40B4-BE49-F238E27FC236}">
-                <a16:creationId xmlns:a16="http://schemas.microsoft.com/office/drawing/2014/main" id="{FD2152D9-D37D-0CB3-3B4D-00692A1DEBC5}"/>
+                <a16:creationId xmlns:a16="http://schemas.microsoft.com/office/drawing/2014/main" id="{0F9A443B-7373-3749-5836-96C4F3D4F374}"/>
               </a:ext>
             </a:extLst>
           </p:cNvPr>
@@ -2992,7 +2992,7 @@
             </a:lvl1pPr>
           </a:lstStyle>
           <a:p>
-            <a:fld id="{113FB869-3295-49B1-AA7F-2608ED546B1D}" type="slidenum">
+            <a:fld id="{EBE16AC8-C325-4CA3-BB05-EEC92791B76D}" type="slidenum">
               <a:rPr lang="zh-CN" altLang="en-US" smtClean="0"/>
               <a:t>‹#›</a:t>
             </a:fld>
@@ -3003,7 +3003,7 @@
     </p:spTree>
     <p:extLst>
       <p:ext uri="{BB962C8B-B14F-4D97-AF65-F5344CB8AC3E}">
-        <p14:creationId xmlns:p14="http://schemas.microsoft.com/office/powerpoint/2010/main" val="4153857462"/>
+        <p14:creationId xmlns:p14="http://schemas.microsoft.com/office/powerpoint/2010/main" val="2774318491"/>
       </p:ext>
     </p:extLst>
   </p:cSld>
